--- a/ProjectPresentation.pptx
+++ b/ProjectPresentation.pptx
@@ -8,6 +8,7 @@
     <p:sldId id="257" r:id="rId2"/>
     <p:sldId id="258" r:id="rId3"/>
     <p:sldId id="259" r:id="rId4"/>
+    <p:sldId id="260" r:id="rId5"/>
   </p:sldIdLst>
   <p:sldSz cx="12192000" cy="6858000"/>
   <p:notesSz cx="6858000" cy="9144000"/>
@@ -358,7 +359,7 @@
           <a:p>
             <a:fld id="{9184DA70-C731-4C70-880D-CCD4705E623C}" type="datetime1">
               <a:rPr lang="en-US" smtClean="0"/>
-              <a:t>1/2/2022</a:t>
+              <a:t>1/3/2022</a:t>
             </a:fld>
             <a:endParaRPr lang="en-US" dirty="0"/>
           </a:p>
@@ -546,7 +547,7 @@
           <a:p>
             <a:fld id="{B612A279-0833-481D-8C56-F67FD0AC6C50}" type="datetime1">
               <a:rPr lang="en-US" smtClean="0"/>
-              <a:t>1/2/2022</a:t>
+              <a:t>1/3/2022</a:t>
             </a:fld>
             <a:endParaRPr lang="en-US" dirty="0"/>
           </a:p>
@@ -788,7 +789,7 @@
           <a:p>
             <a:fld id="{6587DA83-5663-4C9C-B9AA-0B40A3DAFF81}" type="datetime1">
               <a:rPr lang="en-US" smtClean="0"/>
-              <a:t>1/2/2022</a:t>
+              <a:t>1/3/2022</a:t>
             </a:fld>
             <a:endParaRPr lang="en-US" dirty="0"/>
           </a:p>
@@ -976,7 +977,7 @@
           <a:p>
             <a:fld id="{4BE1D723-8F53-4F53-90B0-1982A396982E}" type="datetime1">
               <a:rPr lang="en-US" smtClean="0"/>
-              <a:t>1/2/2022</a:t>
+              <a:t>1/3/2022</a:t>
             </a:fld>
             <a:endParaRPr lang="en-US" dirty="0"/>
           </a:p>
@@ -1349,7 +1350,7 @@
           <a:p>
             <a:fld id="{97669AF7-7BEB-44E4-9852-375E34362B5B}" type="datetime1">
               <a:rPr lang="en-US" smtClean="0"/>
-              <a:t>1/2/2022</a:t>
+              <a:t>1/3/2022</a:t>
             </a:fld>
             <a:endParaRPr lang="en-US" dirty="0"/>
           </a:p>
@@ -1604,7 +1605,7 @@
           <a:p>
             <a:fld id="{BAAAC38D-0552-4C82-B593-E6124DFADBE2}" type="datetime1">
               <a:rPr lang="en-US" smtClean="0"/>
-              <a:t>1/2/2022</a:t>
+              <a:t>1/3/2022</a:t>
             </a:fld>
             <a:endParaRPr lang="en-US" dirty="0"/>
           </a:p>
@@ -2001,7 +2002,7 @@
           <a:p>
             <a:fld id="{D9DF0F1C-5577-4ACB-BB62-DF8F3C494C7E}" type="datetime1">
               <a:rPr lang="en-US" smtClean="0"/>
-              <a:t>1/2/2022</a:t>
+              <a:t>1/3/2022</a:t>
             </a:fld>
             <a:endParaRPr lang="en-US" dirty="0"/>
           </a:p>
@@ -2137,7 +2138,7 @@
           <a:p>
             <a:fld id="{1775B394-D9F9-4F0C-B15D-605F45CB9E9F}" type="datetime1">
               <a:rPr lang="en-US" smtClean="0"/>
-              <a:t>1/2/2022</a:t>
+              <a:t>1/3/2022</a:t>
             </a:fld>
             <a:endParaRPr lang="en-US" dirty="0"/>
           </a:p>
@@ -2294,7 +2295,7 @@
           <a:p>
             <a:fld id="{39667345-2558-425A-8533-9BFDBCE15005}" type="datetime1">
               <a:rPr lang="en-US" smtClean="0"/>
-              <a:t>1/2/2022</a:t>
+              <a:t>1/3/2022</a:t>
             </a:fld>
             <a:endParaRPr lang="en-US" dirty="0"/>
           </a:p>
@@ -2623,7 +2624,7 @@
           <a:p>
             <a:fld id="{92BEA474-078D-4E9B-9B14-09A87B19DC46}" type="datetime1">
               <a:rPr lang="en-US" smtClean="0"/>
-              <a:t>1/2/2022</a:t>
+              <a:t>1/3/2022</a:t>
             </a:fld>
             <a:endParaRPr lang="en-US" dirty="0"/>
           </a:p>
@@ -2973,7 +2974,7 @@
           <a:p>
             <a:fld id="{4907D986-8816-4272-A432-0437A28A9828}" type="datetime1">
               <a:rPr lang="en-US" smtClean="0"/>
-              <a:t>1/2/2022</a:t>
+              <a:t>1/3/2022</a:t>
             </a:fld>
             <a:endParaRPr lang="en-US" dirty="0"/>
           </a:p>
@@ -3234,7 +3235,7 @@
           <a:p>
             <a:fld id="{62D6E202-B606-4609-B914-27C9371A1F6D}" type="datetime1">
               <a:rPr lang="en-US" smtClean="0"/>
-              <a:t>1/2/2022</a:t>
+              <a:t>1/3/2022</a:t>
             </a:fld>
             <a:endParaRPr lang="en-US" dirty="0"/>
           </a:p>
@@ -4516,6 +4517,244 @@
 </p:sld>
 </file>
 
+<file path=ppt/slides/slide4.xml><?xml version="1.0" encoding="utf-8"?>
+<p:sld xmlns:a="http://schemas.openxmlformats.org/drawingml/2006/main" xmlns:r="http://schemas.openxmlformats.org/officeDocument/2006/relationships" xmlns:p="http://schemas.openxmlformats.org/presentationml/2006/main">
+  <p:cSld>
+    <p:spTree>
+      <p:nvGrpSpPr>
+        <p:cNvPr id="1" name=""/>
+        <p:cNvGrpSpPr/>
+        <p:nvPr/>
+      </p:nvGrpSpPr>
+      <p:grpSpPr>
+        <a:xfrm>
+          <a:off x="0" y="0"/>
+          <a:ext cx="0" cy="0"/>
+          <a:chOff x="0" y="0"/>
+          <a:chExt cx="0" cy="0"/>
+        </a:xfrm>
+      </p:grpSpPr>
+      <p:sp>
+        <p:nvSpPr>
+          <p:cNvPr id="2" name="Title 1">
+            <a:extLst>
+              <a:ext uri="{FF2B5EF4-FFF2-40B4-BE49-F238E27FC236}">
+                <a16:creationId xmlns:a16="http://schemas.microsoft.com/office/drawing/2014/main" id="{6EAC273C-9969-455C-9A84-F29BA9F7FCD6}"/>
+              </a:ext>
+            </a:extLst>
+          </p:cNvPr>
+          <p:cNvSpPr>
+            <a:spLocks noGrp="1"/>
+          </p:cNvSpPr>
+          <p:nvPr>
+            <p:ph type="title"/>
+          </p:nvPr>
+        </p:nvSpPr>
+        <p:spPr/>
+        <p:txBody>
+          <a:bodyPr/>
+          <a:lstStyle/>
+          <a:p>
+            <a:r>
+              <a:rPr lang="en-GB" dirty="0"/>
+              <a:t>Revenue &amp; Emissions Analysis</a:t>
+            </a:r>
+          </a:p>
+        </p:txBody>
+      </p:sp>
+      <p:sp>
+        <p:nvSpPr>
+          <p:cNvPr id="3" name="Content Placeholder 2">
+            <a:extLst>
+              <a:ext uri="{FF2B5EF4-FFF2-40B4-BE49-F238E27FC236}">
+                <a16:creationId xmlns:a16="http://schemas.microsoft.com/office/drawing/2014/main" id="{7E0AA153-32AF-40A6-8B10-C13A959C7DDC}"/>
+              </a:ext>
+            </a:extLst>
+          </p:cNvPr>
+          <p:cNvSpPr>
+            <a:spLocks noGrp="1"/>
+          </p:cNvSpPr>
+          <p:nvPr>
+            <p:ph idx="1"/>
+          </p:nvPr>
+        </p:nvSpPr>
+        <p:spPr>
+          <a:xfrm>
+            <a:off x="983152" y="2108201"/>
+            <a:ext cx="4853883" cy="3760891"/>
+          </a:xfrm>
+        </p:spPr>
+        <p:txBody>
+          <a:bodyPr/>
+          <a:lstStyle/>
+          <a:p>
+            <a:r>
+              <a:rPr lang="en-GB" dirty="0"/>
+              <a:t>The csv was constructed by averaging the emissions quarterly. The data from revenue was used to plot graphs for emissions and revenue for each year for the Airlines. Scatter plot was used to illustrate trends in revenue per year for the Airlines.</a:t>
+            </a:r>
+          </a:p>
+          <a:p>
+            <a:r>
+              <a:rPr lang="en-GB" dirty="0"/>
+              <a:t>There is a direct correlation between emissions and revenue of airlines.</a:t>
+            </a:r>
+          </a:p>
+        </p:txBody>
+      </p:sp>
+      <p:pic>
+        <p:nvPicPr>
+          <p:cNvPr id="1026" name="Picture 2">
+            <a:extLst>
+              <a:ext uri="{FF2B5EF4-FFF2-40B4-BE49-F238E27FC236}">
+                <a16:creationId xmlns:a16="http://schemas.microsoft.com/office/drawing/2014/main" id="{13196C38-8E27-47AB-85F9-30A7246D533F}"/>
+              </a:ext>
+            </a:extLst>
+          </p:cNvPr>
+          <p:cNvPicPr>
+            <a:picLocks noChangeAspect="1" noChangeArrowheads="1"/>
+          </p:cNvPicPr>
+          <p:nvPr/>
+        </p:nvPicPr>
+        <p:blipFill>
+          <a:blip r:embed="rId2">
+            <a:extLst>
+              <a:ext uri="{28A0092B-C50C-407E-A947-70E740481C1C}">
+                <a14:useLocalDpi xmlns:a14="http://schemas.microsoft.com/office/drawing/2010/main" val="0"/>
+              </a:ext>
+            </a:extLst>
+          </a:blip>
+          <a:srcRect/>
+          <a:stretch>
+            <a:fillRect/>
+          </a:stretch>
+        </p:blipFill>
+        <p:spPr bwMode="auto">
+          <a:xfrm>
+            <a:off x="8112040" y="1887195"/>
+            <a:ext cx="3713697" cy="2192152"/>
+          </a:xfrm>
+          <a:prstGeom prst="rect">
+            <a:avLst/>
+          </a:prstGeom>
+          <a:noFill/>
+          <a:extLst>
+            <a:ext uri="{909E8E84-426E-40DD-AFC4-6F175D3DCCD1}">
+              <a14:hiddenFill xmlns:a14="http://schemas.microsoft.com/office/drawing/2010/main">
+                <a:solidFill>
+                  <a:srgbClr val="FFFFFF"/>
+                </a:solidFill>
+              </a14:hiddenFill>
+            </a:ext>
+          </a:extLst>
+        </p:spPr>
+      </p:pic>
+      <p:pic>
+        <p:nvPicPr>
+          <p:cNvPr id="1028" name="Picture 4">
+            <a:extLst>
+              <a:ext uri="{FF2B5EF4-FFF2-40B4-BE49-F238E27FC236}">
+                <a16:creationId xmlns:a16="http://schemas.microsoft.com/office/drawing/2014/main" id="{4C5AAF28-A58B-4B4D-B905-9916BE0F91FD}"/>
+              </a:ext>
+            </a:extLst>
+          </p:cNvPr>
+          <p:cNvPicPr>
+            <a:picLocks noChangeAspect="1" noChangeArrowheads="1"/>
+          </p:cNvPicPr>
+          <p:nvPr/>
+        </p:nvPicPr>
+        <p:blipFill>
+          <a:blip r:embed="rId3">
+            <a:extLst>
+              <a:ext uri="{28A0092B-C50C-407E-A947-70E740481C1C}">
+                <a14:useLocalDpi xmlns:a14="http://schemas.microsoft.com/office/drawing/2010/main" val="0"/>
+              </a:ext>
+            </a:extLst>
+          </a:blip>
+          <a:srcRect/>
+          <a:stretch>
+            <a:fillRect/>
+          </a:stretch>
+        </p:blipFill>
+        <p:spPr bwMode="auto">
+          <a:xfrm>
+            <a:off x="8305227" y="4079345"/>
+            <a:ext cx="3520510" cy="2320215"/>
+          </a:xfrm>
+          <a:prstGeom prst="rect">
+            <a:avLst/>
+          </a:prstGeom>
+          <a:noFill/>
+          <a:extLst>
+            <a:ext uri="{909E8E84-426E-40DD-AFC4-6F175D3DCCD1}">
+              <a14:hiddenFill xmlns:a14="http://schemas.microsoft.com/office/drawing/2010/main">
+                <a:solidFill>
+                  <a:srgbClr val="FFFFFF"/>
+                </a:solidFill>
+              </a14:hiddenFill>
+            </a:ext>
+          </a:extLst>
+        </p:spPr>
+      </p:pic>
+      <p:pic>
+        <p:nvPicPr>
+          <p:cNvPr id="1030" name="Picture 6">
+            <a:extLst>
+              <a:ext uri="{FF2B5EF4-FFF2-40B4-BE49-F238E27FC236}">
+                <a16:creationId xmlns:a16="http://schemas.microsoft.com/office/drawing/2014/main" id="{C37C2BF2-9C8B-44DB-BAD3-A6E50561A4D0}"/>
+              </a:ext>
+            </a:extLst>
+          </p:cNvPr>
+          <p:cNvPicPr>
+            <a:picLocks noChangeAspect="1" noChangeArrowheads="1"/>
+          </p:cNvPicPr>
+          <p:nvPr/>
+        </p:nvPicPr>
+        <p:blipFill>
+          <a:blip r:embed="rId4">
+            <a:extLst>
+              <a:ext uri="{28A0092B-C50C-407E-A947-70E740481C1C}">
+                <a14:useLocalDpi xmlns:a14="http://schemas.microsoft.com/office/drawing/2010/main" val="0"/>
+              </a:ext>
+            </a:extLst>
+          </a:blip>
+          <a:srcRect/>
+          <a:stretch>
+            <a:fillRect/>
+          </a:stretch>
+        </p:blipFill>
+        <p:spPr bwMode="auto">
+          <a:xfrm>
+            <a:off x="5685780" y="1962661"/>
+            <a:ext cx="2636096" cy="1631987"/>
+          </a:xfrm>
+          <a:prstGeom prst="rect">
+            <a:avLst/>
+          </a:prstGeom>
+          <a:noFill/>
+          <a:extLst>
+            <a:ext uri="{909E8E84-426E-40DD-AFC4-6F175D3DCCD1}">
+              <a14:hiddenFill xmlns:a14="http://schemas.microsoft.com/office/drawing/2010/main">
+                <a:solidFill>
+                  <a:srgbClr val="FFFFFF"/>
+                </a:solidFill>
+              </a14:hiddenFill>
+            </a:ext>
+          </a:extLst>
+        </p:spPr>
+      </p:pic>
+    </p:spTree>
+    <p:extLst>
+      <p:ext uri="{BB962C8B-B14F-4D97-AF65-F5344CB8AC3E}">
+        <p14:creationId xmlns:p14="http://schemas.microsoft.com/office/powerpoint/2010/main" val="533068716"/>
+      </p:ext>
+    </p:extLst>
+  </p:cSld>
+  <p:clrMapOvr>
+    <a:masterClrMapping/>
+  </p:clrMapOvr>
+</p:sld>
+</file>
+
 <file path=ppt/theme/theme1.xml><?xml version="1.0" encoding="utf-8"?>
 <a:theme xmlns:a="http://schemas.openxmlformats.org/drawingml/2006/main" name="1_RetrospectVTI">
   <a:themeElements>

--- a/ProjectPresentation.pptx
+++ b/ProjectPresentation.pptx
@@ -9,6 +9,7 @@
     <p:sldId id="258" r:id="rId3"/>
     <p:sldId id="259" r:id="rId4"/>
     <p:sldId id="260" r:id="rId5"/>
+    <p:sldId id="261" r:id="rId6"/>
   </p:sldIdLst>
   <p:sldSz cx="12192000" cy="6858000"/>
   <p:notesSz cx="6858000" cy="9144000"/>
@@ -109,7 +110,7 @@
   </p:defaultTextStyle>
   <p:extLst>
     <p:ext uri="{EFAFB233-063F-42B5-8137-9DF3F51BA10A}">
-      <p15:sldGuideLst xmlns:p15="http://schemas.microsoft.com/office/powerpoint/2012/main"/>
+      <p15:sldGuideLst xmlns:p15="http://schemas.microsoft.com/office/powerpoint/2012/main" xmlns=""/>
     </p:ext>
   </p:extLst>
 </p:presentation>
@@ -137,7 +138,7 @@
           <p:cNvPr id="10" name="Rectangle 9">
             <a:extLst>
               <a:ext uri="{FF2B5EF4-FFF2-40B4-BE49-F238E27FC236}">
-                <a16:creationId xmlns:a16="http://schemas.microsoft.com/office/drawing/2014/main" id="{39E3965E-AC41-4711-9D10-E25ABB132D86}"/>
+                <a16:creationId xmlns:a16="http://schemas.microsoft.com/office/drawing/2014/main" xmlns="" id="{39E3965E-AC41-4711-9D10-E25ABB132D86}"/>
               </a:ext>
             </a:extLst>
           </p:cNvPr>
@@ -297,7 +298,7 @@
           <p:cNvPr id="9" name="Straight Connector 8">
             <a:extLst>
               <a:ext uri="{FF2B5EF4-FFF2-40B4-BE49-F238E27FC236}">
-                <a16:creationId xmlns:a16="http://schemas.microsoft.com/office/drawing/2014/main" id="{1F5DC8C3-BA5F-4EED-BB9A-A14272BD82A1}"/>
+                <a16:creationId xmlns:a16="http://schemas.microsoft.com/office/drawing/2014/main" xmlns="" id="{1F5DC8C3-BA5F-4EED-BB9A-A14272BD82A1}"/>
               </a:ext>
             </a:extLst>
           </p:cNvPr>
@@ -341,7 +342,7 @@
           <p:cNvPr id="4" name="Date Placeholder 3">
             <a:extLst>
               <a:ext uri="{FF2B5EF4-FFF2-40B4-BE49-F238E27FC236}">
-                <a16:creationId xmlns:a16="http://schemas.microsoft.com/office/drawing/2014/main" id="{9925CCF1-92C0-4AF3-BFAF-4921631915AB}"/>
+                <a16:creationId xmlns:a16="http://schemas.microsoft.com/office/drawing/2014/main" xmlns="" id="{9925CCF1-92C0-4AF3-BFAF-4921631915AB}"/>
               </a:ext>
             </a:extLst>
           </p:cNvPr>
@@ -359,6 +360,7 @@
           <a:p>
             <a:fld id="{9184DA70-C731-4C70-880D-CCD4705E623C}" type="datetime1">
               <a:rPr lang="en-US" smtClean="0"/>
+              <a:pPr/>
               <a:t>1/3/2022</a:t>
             </a:fld>
             <a:endParaRPr lang="en-US" dirty="0"/>
@@ -370,7 +372,7 @@
           <p:cNvPr id="5" name="Footer Placeholder 4">
             <a:extLst>
               <a:ext uri="{FF2B5EF4-FFF2-40B4-BE49-F238E27FC236}">
-                <a16:creationId xmlns:a16="http://schemas.microsoft.com/office/drawing/2014/main" id="{051A78A9-3DFF-4937-A9F2-5D8CF495F367}"/>
+                <a16:creationId xmlns:a16="http://schemas.microsoft.com/office/drawing/2014/main" xmlns="" id="{051A78A9-3DFF-4937-A9F2-5D8CF495F367}"/>
               </a:ext>
             </a:extLst>
           </p:cNvPr>
@@ -395,7 +397,7 @@
           <p:cNvPr id="6" name="Slide Number Placeholder 5">
             <a:extLst>
               <a:ext uri="{FF2B5EF4-FFF2-40B4-BE49-F238E27FC236}">
-                <a16:creationId xmlns:a16="http://schemas.microsoft.com/office/drawing/2014/main" id="{5FAEB271-5CC0-4759-BC6E-8BE53AB227C0}"/>
+                <a16:creationId xmlns:a16="http://schemas.microsoft.com/office/drawing/2014/main" xmlns="" id="{5FAEB271-5CC0-4759-BC6E-8BE53AB227C0}"/>
               </a:ext>
             </a:extLst>
           </p:cNvPr>
@@ -413,6 +415,7 @@
           <a:p>
             <a:fld id="{3A98EE3D-8CD1-4C3F-BD1C-C98C9596463C}" type="slidenum">
               <a:rPr lang="en-US" smtClean="0"/>
+              <a:pPr/>
               <a:t>‹#›</a:t>
             </a:fld>
             <a:endParaRPr lang="en-US" dirty="0"/>
@@ -422,7 +425,7 @@
     </p:spTree>
     <p:extLst>
       <p:ext uri="{BB962C8B-B14F-4D97-AF65-F5344CB8AC3E}">
-        <p14:creationId xmlns:p14="http://schemas.microsoft.com/office/powerpoint/2010/main" val="4258331492"/>
+        <p14:creationId xmlns:p14="http://schemas.microsoft.com/office/powerpoint/2010/main" xmlns="" val="4258331492"/>
       </p:ext>
     </p:extLst>
   </p:cSld>
@@ -529,7 +532,7 @@
           <p:cNvPr id="7" name="Date Placeholder 6">
             <a:extLst>
               <a:ext uri="{FF2B5EF4-FFF2-40B4-BE49-F238E27FC236}">
-                <a16:creationId xmlns:a16="http://schemas.microsoft.com/office/drawing/2014/main" id="{7D5506EE-1026-4F35-9ACC-BD05BE0F9B36}"/>
+                <a16:creationId xmlns:a16="http://schemas.microsoft.com/office/drawing/2014/main" xmlns="" id="{7D5506EE-1026-4F35-9ACC-BD05BE0F9B36}"/>
               </a:ext>
             </a:extLst>
           </p:cNvPr>
@@ -547,6 +550,7 @@
           <a:p>
             <a:fld id="{B612A279-0833-481D-8C56-F67FD0AC6C50}" type="datetime1">
               <a:rPr lang="en-US" smtClean="0"/>
+              <a:pPr/>
               <a:t>1/3/2022</a:t>
             </a:fld>
             <a:endParaRPr lang="en-US" dirty="0"/>
@@ -558,7 +562,7 @@
           <p:cNvPr id="8" name="Footer Placeholder 7">
             <a:extLst>
               <a:ext uri="{FF2B5EF4-FFF2-40B4-BE49-F238E27FC236}">
-                <a16:creationId xmlns:a16="http://schemas.microsoft.com/office/drawing/2014/main" id="{B7696E5F-8D95-4450-AE52-5438E6EDE2BF}"/>
+                <a16:creationId xmlns:a16="http://schemas.microsoft.com/office/drawing/2014/main" xmlns="" id="{B7696E5F-8D95-4450-AE52-5438E6EDE2BF}"/>
               </a:ext>
             </a:extLst>
           </p:cNvPr>
@@ -583,7 +587,7 @@
           <p:cNvPr id="9" name="Slide Number Placeholder 8">
             <a:extLst>
               <a:ext uri="{FF2B5EF4-FFF2-40B4-BE49-F238E27FC236}">
-                <a16:creationId xmlns:a16="http://schemas.microsoft.com/office/drawing/2014/main" id="{999B2253-74CC-409E-BEB0-F8EFCFCB5629}"/>
+                <a16:creationId xmlns:a16="http://schemas.microsoft.com/office/drawing/2014/main" xmlns="" id="{999B2253-74CC-409E-BEB0-F8EFCFCB5629}"/>
               </a:ext>
             </a:extLst>
           </p:cNvPr>
@@ -601,6 +605,7 @@
           <a:p>
             <a:fld id="{3A98EE3D-8CD1-4C3F-BD1C-C98C9596463C}" type="slidenum">
               <a:rPr lang="en-US" smtClean="0"/>
+              <a:pPr/>
               <a:t>‹#›</a:t>
             </a:fld>
             <a:endParaRPr lang="en-US" dirty="0"/>
@@ -610,7 +615,7 @@
     </p:spTree>
     <p:extLst>
       <p:ext uri="{BB962C8B-B14F-4D97-AF65-F5344CB8AC3E}">
-        <p14:creationId xmlns:p14="http://schemas.microsoft.com/office/powerpoint/2010/main" val="1672269861"/>
+        <p14:creationId xmlns:p14="http://schemas.microsoft.com/office/powerpoint/2010/main" xmlns="" val="1672269861"/>
       </p:ext>
     </p:extLst>
   </p:cSld>
@@ -642,7 +647,7 @@
           <p:cNvPr id="9" name="Rectangle 8">
             <a:extLst>
               <a:ext uri="{FF2B5EF4-FFF2-40B4-BE49-F238E27FC236}">
-                <a16:creationId xmlns:a16="http://schemas.microsoft.com/office/drawing/2014/main" id="{E1B68A5B-D9FA-424B-A4EB-30E7223836B3}"/>
+                <a16:creationId xmlns:a16="http://schemas.microsoft.com/office/drawing/2014/main" xmlns="" id="{E1B68A5B-D9FA-424B-A4EB-30E7223836B3}"/>
               </a:ext>
             </a:extLst>
           </p:cNvPr>
@@ -771,7 +776,7 @@
           <p:cNvPr id="7" name="Date Placeholder 6">
             <a:extLst>
               <a:ext uri="{FF2B5EF4-FFF2-40B4-BE49-F238E27FC236}">
-                <a16:creationId xmlns:a16="http://schemas.microsoft.com/office/drawing/2014/main" id="{AF33D6B0-F070-45C4-A472-19F432BE3932}"/>
+                <a16:creationId xmlns:a16="http://schemas.microsoft.com/office/drawing/2014/main" xmlns="" id="{AF33D6B0-F070-45C4-A472-19F432BE3932}"/>
               </a:ext>
             </a:extLst>
           </p:cNvPr>
@@ -789,6 +794,7 @@
           <a:p>
             <a:fld id="{6587DA83-5663-4C9C-B9AA-0B40A3DAFF81}" type="datetime1">
               <a:rPr lang="en-US" smtClean="0"/>
+              <a:pPr/>
               <a:t>1/3/2022</a:t>
             </a:fld>
             <a:endParaRPr lang="en-US" dirty="0"/>
@@ -800,7 +806,7 @@
           <p:cNvPr id="8" name="Footer Placeholder 7">
             <a:extLst>
               <a:ext uri="{FF2B5EF4-FFF2-40B4-BE49-F238E27FC236}">
-                <a16:creationId xmlns:a16="http://schemas.microsoft.com/office/drawing/2014/main" id="{9975399F-DAB2-410D-967F-ED17E6F796E7}"/>
+                <a16:creationId xmlns:a16="http://schemas.microsoft.com/office/drawing/2014/main" xmlns="" id="{9975399F-DAB2-410D-967F-ED17E6F796E7}"/>
               </a:ext>
             </a:extLst>
           </p:cNvPr>
@@ -825,7 +831,7 @@
           <p:cNvPr id="10" name="Slide Number Placeholder 9">
             <a:extLst>
               <a:ext uri="{FF2B5EF4-FFF2-40B4-BE49-F238E27FC236}">
-                <a16:creationId xmlns:a16="http://schemas.microsoft.com/office/drawing/2014/main" id="{F762A46F-6BE5-4D12-9412-5CA7672EA8EC}"/>
+                <a16:creationId xmlns:a16="http://schemas.microsoft.com/office/drawing/2014/main" xmlns="" id="{F762A46F-6BE5-4D12-9412-5CA7672EA8EC}"/>
               </a:ext>
             </a:extLst>
           </p:cNvPr>
@@ -843,6 +849,7 @@
           <a:p>
             <a:fld id="{3A98EE3D-8CD1-4C3F-BD1C-C98C9596463C}" type="slidenum">
               <a:rPr lang="en-US" smtClean="0"/>
+              <a:pPr/>
               <a:t>‹#›</a:t>
             </a:fld>
             <a:endParaRPr lang="en-US" dirty="0"/>
@@ -852,7 +859,7 @@
     </p:spTree>
     <p:extLst>
       <p:ext uri="{BB962C8B-B14F-4D97-AF65-F5344CB8AC3E}">
-        <p14:creationId xmlns:p14="http://schemas.microsoft.com/office/powerpoint/2010/main" val="761827292"/>
+        <p14:creationId xmlns:p14="http://schemas.microsoft.com/office/powerpoint/2010/main" xmlns="" val="761827292"/>
       </p:ext>
     </p:extLst>
   </p:cSld>
@@ -959,7 +966,7 @@
           <p:cNvPr id="7" name="Date Placeholder 6">
             <a:extLst>
               <a:ext uri="{FF2B5EF4-FFF2-40B4-BE49-F238E27FC236}">
-                <a16:creationId xmlns:a16="http://schemas.microsoft.com/office/drawing/2014/main" id="{354D8B55-9EA8-4B81-8E84-9B93B0A27559}"/>
+                <a16:creationId xmlns:a16="http://schemas.microsoft.com/office/drawing/2014/main" xmlns="" id="{354D8B55-9EA8-4B81-8E84-9B93B0A27559}"/>
               </a:ext>
             </a:extLst>
           </p:cNvPr>
@@ -977,6 +984,7 @@
           <a:p>
             <a:fld id="{4BE1D723-8F53-4F53-90B0-1982A396982E}" type="datetime1">
               <a:rPr lang="en-US" smtClean="0"/>
+              <a:pPr/>
               <a:t>1/3/2022</a:t>
             </a:fld>
             <a:endParaRPr lang="en-US" dirty="0"/>
@@ -988,7 +996,7 @@
           <p:cNvPr id="8" name="Footer Placeholder 7">
             <a:extLst>
               <a:ext uri="{FF2B5EF4-FFF2-40B4-BE49-F238E27FC236}">
-                <a16:creationId xmlns:a16="http://schemas.microsoft.com/office/drawing/2014/main" id="{062CA021-2578-47CB-822C-BDDFF7223B28}"/>
+                <a16:creationId xmlns:a16="http://schemas.microsoft.com/office/drawing/2014/main" xmlns="" id="{062CA021-2578-47CB-822C-BDDFF7223B28}"/>
               </a:ext>
             </a:extLst>
           </p:cNvPr>
@@ -1013,7 +1021,7 @@
           <p:cNvPr id="9" name="Slide Number Placeholder 8">
             <a:extLst>
               <a:ext uri="{FF2B5EF4-FFF2-40B4-BE49-F238E27FC236}">
-                <a16:creationId xmlns:a16="http://schemas.microsoft.com/office/drawing/2014/main" id="{C4AAB51D-4141-4682-9375-DAFD5FB9DD10}"/>
+                <a16:creationId xmlns:a16="http://schemas.microsoft.com/office/drawing/2014/main" xmlns="" id="{C4AAB51D-4141-4682-9375-DAFD5FB9DD10}"/>
               </a:ext>
             </a:extLst>
           </p:cNvPr>
@@ -1031,6 +1039,7 @@
           <a:p>
             <a:fld id="{3A98EE3D-8CD1-4C3F-BD1C-C98C9596463C}" type="slidenum">
               <a:rPr lang="en-US" smtClean="0"/>
+              <a:pPr/>
               <a:t>‹#›</a:t>
             </a:fld>
             <a:endParaRPr lang="en-US" dirty="0"/>
@@ -1040,7 +1049,7 @@
     </p:spTree>
     <p:extLst>
       <p:ext uri="{BB962C8B-B14F-4D97-AF65-F5344CB8AC3E}">
-        <p14:creationId xmlns:p14="http://schemas.microsoft.com/office/powerpoint/2010/main" val="892670607"/>
+        <p14:creationId xmlns:p14="http://schemas.microsoft.com/office/powerpoint/2010/main" xmlns="" val="892670607"/>
       </p:ext>
     </p:extLst>
   </p:cSld>
@@ -1080,7 +1089,7 @@
           <p:cNvPr id="10" name="Rectangle 9">
             <a:extLst>
               <a:ext uri="{FF2B5EF4-FFF2-40B4-BE49-F238E27FC236}">
-                <a16:creationId xmlns:a16="http://schemas.microsoft.com/office/drawing/2014/main" id="{A585C21A-8B93-4657-B5DF-7EAEAD3BE127}"/>
+                <a16:creationId xmlns:a16="http://schemas.microsoft.com/office/drawing/2014/main" xmlns="" id="{A585C21A-8B93-4657-B5DF-7EAEAD3BE127}"/>
               </a:ext>
             </a:extLst>
           </p:cNvPr>
@@ -1288,7 +1297,7 @@
           <p:cNvPr id="9" name="Straight Connector 8">
             <a:extLst>
               <a:ext uri="{FF2B5EF4-FFF2-40B4-BE49-F238E27FC236}">
-                <a16:creationId xmlns:a16="http://schemas.microsoft.com/office/drawing/2014/main" id="{459DE2C1-4C52-40A3-8959-27B2C1BEBFF6}"/>
+                <a16:creationId xmlns:a16="http://schemas.microsoft.com/office/drawing/2014/main" xmlns="" id="{459DE2C1-4C52-40A3-8959-27B2C1BEBFF6}"/>
               </a:ext>
             </a:extLst>
           </p:cNvPr>
@@ -1332,7 +1341,7 @@
           <p:cNvPr id="7" name="Date Placeholder 6">
             <a:extLst>
               <a:ext uri="{FF2B5EF4-FFF2-40B4-BE49-F238E27FC236}">
-                <a16:creationId xmlns:a16="http://schemas.microsoft.com/office/drawing/2014/main" id="{AAF2E137-EC28-48F8-9198-1F02539029B6}"/>
+                <a16:creationId xmlns:a16="http://schemas.microsoft.com/office/drawing/2014/main" xmlns="" id="{AAF2E137-EC28-48F8-9198-1F02539029B6}"/>
               </a:ext>
             </a:extLst>
           </p:cNvPr>
@@ -1350,6 +1359,7 @@
           <a:p>
             <a:fld id="{97669AF7-7BEB-44E4-9852-375E34362B5B}" type="datetime1">
               <a:rPr lang="en-US" smtClean="0"/>
+              <a:pPr/>
               <a:t>1/3/2022</a:t>
             </a:fld>
             <a:endParaRPr lang="en-US" dirty="0"/>
@@ -1361,7 +1371,7 @@
           <p:cNvPr id="8" name="Footer Placeholder 7">
             <a:extLst>
               <a:ext uri="{FF2B5EF4-FFF2-40B4-BE49-F238E27FC236}">
-                <a16:creationId xmlns:a16="http://schemas.microsoft.com/office/drawing/2014/main" id="{189422CD-6F62-4DD6-89EF-07A60B42D219}"/>
+                <a16:creationId xmlns:a16="http://schemas.microsoft.com/office/drawing/2014/main" xmlns="" id="{189422CD-6F62-4DD6-89EF-07A60B42D219}"/>
               </a:ext>
             </a:extLst>
           </p:cNvPr>
@@ -1386,7 +1396,7 @@
           <p:cNvPr id="11" name="Slide Number Placeholder 10">
             <a:extLst>
               <a:ext uri="{FF2B5EF4-FFF2-40B4-BE49-F238E27FC236}">
-                <a16:creationId xmlns:a16="http://schemas.microsoft.com/office/drawing/2014/main" id="{69C6AFF8-42B4-4D05-969B-9F5FB3355555}"/>
+                <a16:creationId xmlns:a16="http://schemas.microsoft.com/office/drawing/2014/main" xmlns="" id="{69C6AFF8-42B4-4D05-969B-9F5FB3355555}"/>
               </a:ext>
             </a:extLst>
           </p:cNvPr>
@@ -1404,6 +1414,7 @@
           <a:p>
             <a:fld id="{3A98EE3D-8CD1-4C3F-BD1C-C98C9596463C}" type="slidenum">
               <a:rPr lang="en-US" smtClean="0"/>
+              <a:pPr/>
               <a:t>‹#›</a:t>
             </a:fld>
             <a:endParaRPr lang="en-US" dirty="0"/>
@@ -1413,7 +1424,7 @@
     </p:spTree>
     <p:extLst>
       <p:ext uri="{BB962C8B-B14F-4D97-AF65-F5344CB8AC3E}">
-        <p14:creationId xmlns:p14="http://schemas.microsoft.com/office/powerpoint/2010/main" val="3304162564"/>
+        <p14:creationId xmlns:p14="http://schemas.microsoft.com/office/powerpoint/2010/main" xmlns="" val="3304162564"/>
       </p:ext>
     </p:extLst>
   </p:cSld>
@@ -1587,7 +1598,7 @@
           <p:cNvPr id="2" name="Date Placeholder 1">
             <a:extLst>
               <a:ext uri="{FF2B5EF4-FFF2-40B4-BE49-F238E27FC236}">
-                <a16:creationId xmlns:a16="http://schemas.microsoft.com/office/drawing/2014/main" id="{5782D47D-B0DC-4C40-BCC6-BBBA32584A38}"/>
+                <a16:creationId xmlns:a16="http://schemas.microsoft.com/office/drawing/2014/main" xmlns="" id="{5782D47D-B0DC-4C40-BCC6-BBBA32584A38}"/>
               </a:ext>
             </a:extLst>
           </p:cNvPr>
@@ -1605,6 +1616,7 @@
           <a:p>
             <a:fld id="{BAAAC38D-0552-4C82-B593-E6124DFADBE2}" type="datetime1">
               <a:rPr lang="en-US" smtClean="0"/>
+              <a:pPr/>
               <a:t>1/3/2022</a:t>
             </a:fld>
             <a:endParaRPr lang="en-US" dirty="0"/>
@@ -1616,7 +1628,7 @@
           <p:cNvPr id="9" name="Footer Placeholder 8">
             <a:extLst>
               <a:ext uri="{FF2B5EF4-FFF2-40B4-BE49-F238E27FC236}">
-                <a16:creationId xmlns:a16="http://schemas.microsoft.com/office/drawing/2014/main" id="{4690D34E-7EBD-44B2-83CA-4C126A18D7EF}"/>
+                <a16:creationId xmlns:a16="http://schemas.microsoft.com/office/drawing/2014/main" xmlns="" id="{4690D34E-7EBD-44B2-83CA-4C126A18D7EF}"/>
               </a:ext>
             </a:extLst>
           </p:cNvPr>
@@ -1641,7 +1653,7 @@
           <p:cNvPr id="10" name="Slide Number Placeholder 9">
             <a:extLst>
               <a:ext uri="{FF2B5EF4-FFF2-40B4-BE49-F238E27FC236}">
-                <a16:creationId xmlns:a16="http://schemas.microsoft.com/office/drawing/2014/main" id="{2AC511A1-9BBD-42DE-92FB-2AF44F8E97A9}"/>
+                <a16:creationId xmlns:a16="http://schemas.microsoft.com/office/drawing/2014/main" xmlns="" id="{2AC511A1-9BBD-42DE-92FB-2AF44F8E97A9}"/>
               </a:ext>
             </a:extLst>
           </p:cNvPr>
@@ -1659,6 +1671,7 @@
           <a:p>
             <a:fld id="{3A98EE3D-8CD1-4C3F-BD1C-C98C9596463C}" type="slidenum">
               <a:rPr lang="en-US" smtClean="0"/>
+              <a:pPr/>
               <a:t>‹#›</a:t>
             </a:fld>
             <a:endParaRPr lang="en-US" dirty="0"/>
@@ -1668,7 +1681,7 @@
     </p:spTree>
     <p:extLst>
       <p:ext uri="{BB962C8B-B14F-4D97-AF65-F5344CB8AC3E}">
-        <p14:creationId xmlns:p14="http://schemas.microsoft.com/office/powerpoint/2010/main" val="4256663047"/>
+        <p14:creationId xmlns:p14="http://schemas.microsoft.com/office/powerpoint/2010/main" xmlns="" val="4256663047"/>
       </p:ext>
     </p:extLst>
   </p:cSld>
@@ -1984,7 +1997,7 @@
           <p:cNvPr id="2" name="Date Placeholder 1">
             <a:extLst>
               <a:ext uri="{FF2B5EF4-FFF2-40B4-BE49-F238E27FC236}">
-                <a16:creationId xmlns:a16="http://schemas.microsoft.com/office/drawing/2014/main" id="{8AF8A515-AA94-45D1-9223-5C2272618D85}"/>
+                <a16:creationId xmlns:a16="http://schemas.microsoft.com/office/drawing/2014/main" xmlns="" id="{8AF8A515-AA94-45D1-9223-5C2272618D85}"/>
               </a:ext>
             </a:extLst>
           </p:cNvPr>
@@ -2002,6 +2015,7 @@
           <a:p>
             <a:fld id="{D9DF0F1C-5577-4ACB-BB62-DF8F3C494C7E}" type="datetime1">
               <a:rPr lang="en-US" smtClean="0"/>
+              <a:pPr/>
               <a:t>1/3/2022</a:t>
             </a:fld>
             <a:endParaRPr lang="en-US" dirty="0"/>
@@ -2013,7 +2027,7 @@
           <p:cNvPr id="11" name="Footer Placeholder 10">
             <a:extLst>
               <a:ext uri="{FF2B5EF4-FFF2-40B4-BE49-F238E27FC236}">
-                <a16:creationId xmlns:a16="http://schemas.microsoft.com/office/drawing/2014/main" id="{D052F5BC-98E0-4D60-AD67-9547738B7DD4}"/>
+                <a16:creationId xmlns:a16="http://schemas.microsoft.com/office/drawing/2014/main" xmlns="" id="{D052F5BC-98E0-4D60-AD67-9547738B7DD4}"/>
               </a:ext>
             </a:extLst>
           </p:cNvPr>
@@ -2038,7 +2052,7 @@
           <p:cNvPr id="12" name="Slide Number Placeholder 11">
             <a:extLst>
               <a:ext uri="{FF2B5EF4-FFF2-40B4-BE49-F238E27FC236}">
-                <a16:creationId xmlns:a16="http://schemas.microsoft.com/office/drawing/2014/main" id="{A38552DC-952E-41EA-AAAF-C2187523C0B0}"/>
+                <a16:creationId xmlns:a16="http://schemas.microsoft.com/office/drawing/2014/main" xmlns="" id="{A38552DC-952E-41EA-AAAF-C2187523C0B0}"/>
               </a:ext>
             </a:extLst>
           </p:cNvPr>
@@ -2056,6 +2070,7 @@
           <a:p>
             <a:fld id="{3A98EE3D-8CD1-4C3F-BD1C-C98C9596463C}" type="slidenum">
               <a:rPr lang="en-US" smtClean="0"/>
+              <a:pPr/>
               <a:t>‹#›</a:t>
             </a:fld>
             <a:endParaRPr lang="en-US" dirty="0"/>
@@ -2065,7 +2080,7 @@
     </p:spTree>
     <p:extLst>
       <p:ext uri="{BB962C8B-B14F-4D97-AF65-F5344CB8AC3E}">
-        <p14:creationId xmlns:p14="http://schemas.microsoft.com/office/powerpoint/2010/main" val="3068194699"/>
+        <p14:creationId xmlns:p14="http://schemas.microsoft.com/office/powerpoint/2010/main" xmlns="" val="3068194699"/>
       </p:ext>
     </p:extLst>
   </p:cSld>
@@ -2120,7 +2135,7 @@
           <p:cNvPr id="6" name="Date Placeholder 5">
             <a:extLst>
               <a:ext uri="{FF2B5EF4-FFF2-40B4-BE49-F238E27FC236}">
-                <a16:creationId xmlns:a16="http://schemas.microsoft.com/office/drawing/2014/main" id="{7392073F-158F-44A3-8913-917AFFC1BC20}"/>
+                <a16:creationId xmlns:a16="http://schemas.microsoft.com/office/drawing/2014/main" xmlns="" id="{7392073F-158F-44A3-8913-917AFFC1BC20}"/>
               </a:ext>
             </a:extLst>
           </p:cNvPr>
@@ -2138,6 +2153,7 @@
           <a:p>
             <a:fld id="{1775B394-D9F9-4F0C-B15D-605F45CB9E9F}" type="datetime1">
               <a:rPr lang="en-US" smtClean="0"/>
+              <a:pPr/>
               <a:t>1/3/2022</a:t>
             </a:fld>
             <a:endParaRPr lang="en-US" dirty="0"/>
@@ -2149,7 +2165,7 @@
           <p:cNvPr id="7" name="Footer Placeholder 6">
             <a:extLst>
               <a:ext uri="{FF2B5EF4-FFF2-40B4-BE49-F238E27FC236}">
-                <a16:creationId xmlns:a16="http://schemas.microsoft.com/office/drawing/2014/main" id="{EED72207-24CA-42B7-A975-2F8E41CBA904}"/>
+                <a16:creationId xmlns:a16="http://schemas.microsoft.com/office/drawing/2014/main" xmlns="" id="{EED72207-24CA-42B7-A975-2F8E41CBA904}"/>
               </a:ext>
             </a:extLst>
           </p:cNvPr>
@@ -2174,7 +2190,7 @@
           <p:cNvPr id="8" name="Slide Number Placeholder 7">
             <a:extLst>
               <a:ext uri="{FF2B5EF4-FFF2-40B4-BE49-F238E27FC236}">
-                <a16:creationId xmlns:a16="http://schemas.microsoft.com/office/drawing/2014/main" id="{D01080F2-251A-4B88-9A62-16F46D724F83}"/>
+                <a16:creationId xmlns:a16="http://schemas.microsoft.com/office/drawing/2014/main" xmlns="" id="{D01080F2-251A-4B88-9A62-16F46D724F83}"/>
               </a:ext>
             </a:extLst>
           </p:cNvPr>
@@ -2192,6 +2208,7 @@
           <a:p>
             <a:fld id="{3A98EE3D-8CD1-4C3F-BD1C-C98C9596463C}" type="slidenum">
               <a:rPr lang="en-US" smtClean="0"/>
+              <a:pPr/>
               <a:t>‹#›</a:t>
             </a:fld>
             <a:endParaRPr lang="en-US" dirty="0"/>
@@ -2201,7 +2218,7 @@
     </p:spTree>
     <p:extLst>
       <p:ext uri="{BB962C8B-B14F-4D97-AF65-F5344CB8AC3E}">
-        <p14:creationId xmlns:p14="http://schemas.microsoft.com/office/powerpoint/2010/main" val="811860513"/>
+        <p14:creationId xmlns:p14="http://schemas.microsoft.com/office/powerpoint/2010/main" xmlns="" val="811860513"/>
       </p:ext>
     </p:extLst>
   </p:cSld>
@@ -2233,7 +2250,7 @@
           <p:cNvPr id="10" name="Rectangle 9">
             <a:extLst>
               <a:ext uri="{FF2B5EF4-FFF2-40B4-BE49-F238E27FC236}">
-                <a16:creationId xmlns:a16="http://schemas.microsoft.com/office/drawing/2014/main" id="{A8E9C91B-7EAD-4562-AB0E-DFB9663AECE3}"/>
+                <a16:creationId xmlns:a16="http://schemas.microsoft.com/office/drawing/2014/main" xmlns="" id="{A8E9C91B-7EAD-4562-AB0E-DFB9663AECE3}"/>
               </a:ext>
             </a:extLst>
           </p:cNvPr>
@@ -2277,7 +2294,7 @@
           <p:cNvPr id="2" name="Date Placeholder 1">
             <a:extLst>
               <a:ext uri="{FF2B5EF4-FFF2-40B4-BE49-F238E27FC236}">
-                <a16:creationId xmlns:a16="http://schemas.microsoft.com/office/drawing/2014/main" id="{94E9223F-721F-47BF-9FD5-0F8D12FF0DE1}"/>
+                <a16:creationId xmlns:a16="http://schemas.microsoft.com/office/drawing/2014/main" xmlns="" id="{94E9223F-721F-47BF-9FD5-0F8D12FF0DE1}"/>
               </a:ext>
             </a:extLst>
           </p:cNvPr>
@@ -2295,6 +2312,7 @@
           <a:p>
             <a:fld id="{39667345-2558-425A-8533-9BFDBCE15005}" type="datetime1">
               <a:rPr lang="en-US" smtClean="0"/>
+              <a:pPr/>
               <a:t>1/3/2022</a:t>
             </a:fld>
             <a:endParaRPr lang="en-US" dirty="0"/>
@@ -2306,7 +2324,7 @@
           <p:cNvPr id="3" name="Footer Placeholder 2">
             <a:extLst>
               <a:ext uri="{FF2B5EF4-FFF2-40B4-BE49-F238E27FC236}">
-                <a16:creationId xmlns:a16="http://schemas.microsoft.com/office/drawing/2014/main" id="{05915714-6BBA-4593-8591-4E26F7D58D9F}"/>
+                <a16:creationId xmlns:a16="http://schemas.microsoft.com/office/drawing/2014/main" xmlns="" id="{05915714-6BBA-4593-8591-4E26F7D58D9F}"/>
               </a:ext>
             </a:extLst>
           </p:cNvPr>
@@ -2331,7 +2349,7 @@
           <p:cNvPr id="4" name="Slide Number Placeholder 3">
             <a:extLst>
               <a:ext uri="{FF2B5EF4-FFF2-40B4-BE49-F238E27FC236}">
-                <a16:creationId xmlns:a16="http://schemas.microsoft.com/office/drawing/2014/main" id="{BE06F857-D2E1-44DD-ABDD-EBB739645B67}"/>
+                <a16:creationId xmlns:a16="http://schemas.microsoft.com/office/drawing/2014/main" xmlns="" id="{BE06F857-D2E1-44DD-ABDD-EBB739645B67}"/>
               </a:ext>
             </a:extLst>
           </p:cNvPr>
@@ -2349,6 +2367,7 @@
           <a:p>
             <a:fld id="{3A98EE3D-8CD1-4C3F-BD1C-C98C9596463C}" type="slidenum">
               <a:rPr lang="en-US" smtClean="0"/>
+              <a:pPr/>
               <a:t>‹#›</a:t>
             </a:fld>
             <a:endParaRPr lang="en-US" dirty="0"/>
@@ -2358,7 +2377,7 @@
     </p:spTree>
     <p:extLst>
       <p:ext uri="{BB962C8B-B14F-4D97-AF65-F5344CB8AC3E}">
-        <p14:creationId xmlns:p14="http://schemas.microsoft.com/office/powerpoint/2010/main" val="2001422672"/>
+        <p14:creationId xmlns:p14="http://schemas.microsoft.com/office/powerpoint/2010/main" xmlns="" val="2001422672"/>
       </p:ext>
     </p:extLst>
   </p:cSld>
@@ -2390,7 +2409,7 @@
           <p:cNvPr id="8" name="Rectangle 7">
             <a:extLst>
               <a:ext uri="{FF2B5EF4-FFF2-40B4-BE49-F238E27FC236}">
-                <a16:creationId xmlns:a16="http://schemas.microsoft.com/office/drawing/2014/main" id="{16D90D66-BCB9-4229-A829-628874352AC0}"/>
+                <a16:creationId xmlns:a16="http://schemas.microsoft.com/office/drawing/2014/main" xmlns="" id="{16D90D66-BCB9-4229-A829-628874352AC0}"/>
               </a:ext>
             </a:extLst>
           </p:cNvPr>
@@ -2624,6 +2643,7 @@
           <a:p>
             <a:fld id="{92BEA474-078D-4E9B-9B14-09A87B19DC46}" type="datetime1">
               <a:rPr lang="en-US" smtClean="0"/>
+              <a:pPr/>
               <a:t>1/3/2022</a:t>
             </a:fld>
             <a:endParaRPr lang="en-US" dirty="0"/>
@@ -2697,7 +2717,7 @@
     </p:spTree>
     <p:extLst>
       <p:ext uri="{BB962C8B-B14F-4D97-AF65-F5344CB8AC3E}">
-        <p14:creationId xmlns:p14="http://schemas.microsoft.com/office/powerpoint/2010/main" val="1933282235"/>
+        <p14:creationId xmlns:p14="http://schemas.microsoft.com/office/powerpoint/2010/main" xmlns="" val="1933282235"/>
       </p:ext>
     </p:extLst>
   </p:cSld>
@@ -2729,7 +2749,7 @@
           <p:cNvPr id="8" name="Rectangle 7">
             <a:extLst>
               <a:ext uri="{FF2B5EF4-FFF2-40B4-BE49-F238E27FC236}">
-                <a16:creationId xmlns:a16="http://schemas.microsoft.com/office/drawing/2014/main" id="{DA134939-39C0-4522-A125-A13DFDA66490}"/>
+                <a16:creationId xmlns:a16="http://schemas.microsoft.com/office/drawing/2014/main" xmlns="" id="{DA134939-39C0-4522-A125-A13DFDA66490}"/>
               </a:ext>
             </a:extLst>
           </p:cNvPr>
@@ -2974,6 +2994,7 @@
           <a:p>
             <a:fld id="{4907D986-8816-4272-A432-0437A28A9828}" type="datetime1">
               <a:rPr lang="en-US" smtClean="0"/>
+              <a:pPr/>
               <a:t>1/3/2022</a:t>
             </a:fld>
             <a:endParaRPr lang="en-US" dirty="0"/>
@@ -3022,6 +3043,7 @@
           <a:p>
             <a:fld id="{3A98EE3D-8CD1-4C3F-BD1C-C98C9596463C}" type="slidenum">
               <a:rPr lang="en-US" smtClean="0"/>
+              <a:pPr/>
               <a:t>‹#›</a:t>
             </a:fld>
             <a:endParaRPr lang="en-US" dirty="0"/>
@@ -3031,7 +3053,7 @@
     </p:spTree>
     <p:extLst>
       <p:ext uri="{BB962C8B-B14F-4D97-AF65-F5344CB8AC3E}">
-        <p14:creationId xmlns:p14="http://schemas.microsoft.com/office/powerpoint/2010/main" val="523267730"/>
+        <p14:creationId xmlns:p14="http://schemas.microsoft.com/office/powerpoint/2010/main" xmlns="" val="523267730"/>
       </p:ext>
     </p:extLst>
   </p:cSld>
@@ -3068,7 +3090,7 @@
           <p:cNvPr id="7" name="Rectangle 6">
             <a:extLst>
               <a:ext uri="{FF2B5EF4-FFF2-40B4-BE49-F238E27FC236}">
-                <a16:creationId xmlns:a16="http://schemas.microsoft.com/office/drawing/2014/main" id="{416A0E3C-60E6-4F39-BC55-5F7C224E1F7C}"/>
+                <a16:creationId xmlns:a16="http://schemas.microsoft.com/office/drawing/2014/main" xmlns="" id="{416A0E3C-60E6-4F39-BC55-5F7C224E1F7C}"/>
               </a:ext>
             </a:extLst>
           </p:cNvPr>
@@ -3235,6 +3257,7 @@
           <a:p>
             <a:fld id="{62D6E202-B606-4609-B914-27C9371A1F6D}" type="datetime1">
               <a:rPr lang="en-US" smtClean="0"/>
+              <a:pPr/>
               <a:t>1/3/2022</a:t>
             </a:fld>
             <a:endParaRPr lang="en-US" dirty="0"/>
@@ -3309,6 +3332,7 @@
           <a:p>
             <a:fld id="{3A98EE3D-8CD1-4C3F-BD1C-C98C9596463C}" type="slidenum">
               <a:rPr lang="en-US" smtClean="0"/>
+              <a:pPr/>
               <a:t>‹#›</a:t>
             </a:fld>
             <a:endParaRPr lang="en-US" dirty="0"/>
@@ -3320,7 +3344,7 @@
           <p:cNvPr id="10" name="Straight Connector 9">
             <a:extLst>
               <a:ext uri="{FF2B5EF4-FFF2-40B4-BE49-F238E27FC236}">
-                <a16:creationId xmlns:a16="http://schemas.microsoft.com/office/drawing/2014/main" id="{C5025DAC-8B93-4160-B017-3A274A5828C0}"/>
+                <a16:creationId xmlns:a16="http://schemas.microsoft.com/office/drawing/2014/main" xmlns="" id="{C5025DAC-8B93-4160-B017-3A274A5828C0}"/>
               </a:ext>
             </a:extLst>
           </p:cNvPr>
@@ -3362,7 +3386,7 @@
     </p:spTree>
     <p:extLst>
       <p:ext uri="{BB962C8B-B14F-4D97-AF65-F5344CB8AC3E}">
-        <p14:creationId xmlns:p14="http://schemas.microsoft.com/office/powerpoint/2010/main" val="3034982234"/>
+        <p14:creationId xmlns:p14="http://schemas.microsoft.com/office/powerpoint/2010/main" xmlns="" val="3034982234"/>
       </p:ext>
     </p:extLst>
   </p:cSld>
@@ -3771,10 +3795,10 @@
           <p:cNvPr id="22" name="Rectangle 21">
             <a:extLst>
               <a:ext uri="{FF2B5EF4-FFF2-40B4-BE49-F238E27FC236}">
-                <a16:creationId xmlns:a16="http://schemas.microsoft.com/office/drawing/2014/main" id="{A9286AD2-18A9-4868-A4E3-7A2097A20810}"/>
+                <a16:creationId xmlns:a16="http://schemas.microsoft.com/office/drawing/2014/main" xmlns="" id="{A9286AD2-18A9-4868-A4E3-7A2097A20810}"/>
               </a:ext>
               <a:ext uri="{C183D7F6-B498-43B3-948B-1728B52AA6E4}">
-                <adec:decorative xmlns:adec="http://schemas.microsoft.com/office/drawing/2017/decorative" val="1"/>
+                <adec:decorative xmlns:adec="http://schemas.microsoft.com/office/drawing/2017/decorative" xmlns="" val="1"/>
               </a:ext>
             </a:extLst>
           </p:cNvPr>
@@ -3784,7 +3808,7 @@
           <p:nvPr>
             <p:extLst>
               <p:ext uri="{386F3935-93C4-4BCD-93E2-E3B085C9AB24}">
-                <p16:designElem xmlns:p16="http://schemas.microsoft.com/office/powerpoint/2015/main" val="1"/>
+                <p16:designElem xmlns:p16="http://schemas.microsoft.com/office/powerpoint/2015/main" xmlns="" val="1"/>
               </p:ext>
             </p:extLst>
           </p:nvPr>
@@ -3831,7 +3855,7 @@
           <p:cNvPr id="2" name="Title 1">
             <a:extLst>
               <a:ext uri="{FF2B5EF4-FFF2-40B4-BE49-F238E27FC236}">
-                <a16:creationId xmlns:a16="http://schemas.microsoft.com/office/drawing/2014/main" id="{78FD68DA-43BA-4508-8DE2-BA9BB7B2FA5B}"/>
+                <a16:creationId xmlns:a16="http://schemas.microsoft.com/office/drawing/2014/main" xmlns="" id="{78FD68DA-43BA-4508-8DE2-BA9BB7B2FA5B}"/>
               </a:ext>
             </a:extLst>
           </p:cNvPr>
@@ -3873,7 +3897,7 @@
           <p:cNvPr id="3" name="Subtitle 2">
             <a:extLst>
               <a:ext uri="{FF2B5EF4-FFF2-40B4-BE49-F238E27FC236}">
-                <a16:creationId xmlns:a16="http://schemas.microsoft.com/office/drawing/2014/main" id="{A8E9CFF2-3777-4FF4-A759-8491175B0B7C}"/>
+                <a16:creationId xmlns:a16="http://schemas.microsoft.com/office/drawing/2014/main" xmlns="" id="{A8E9CFF2-3777-4FF4-A759-8491175B0B7C}"/>
               </a:ext>
             </a:extLst>
           </p:cNvPr>
@@ -4000,7 +4024,7 @@
           <p:cNvPr id="5" name="Picture 4" descr="A picture containing building, sitting, bench, side&#10;&#10;Description automatically generated">
             <a:extLst>
               <a:ext uri="{FF2B5EF4-FFF2-40B4-BE49-F238E27FC236}">
-                <a16:creationId xmlns:a16="http://schemas.microsoft.com/office/drawing/2014/main" id="{282CF6DD-7FE8-4063-9551-1B7BBCE92ABE}"/>
+                <a16:creationId xmlns:a16="http://schemas.microsoft.com/office/drawing/2014/main" xmlns="" id="{282CF6DD-7FE8-4063-9551-1B7BBCE92ABE}"/>
               </a:ext>
             </a:extLst>
           </p:cNvPr>
@@ -4010,10 +4034,10 @@
           <p:nvPr/>
         </p:nvPicPr>
         <p:blipFill rotWithShape="1">
-          <a:blip r:embed="rId2">
+          <a:blip r:embed="rId2" cstate="print">
             <a:extLst>
               <a:ext uri="{28A0092B-C50C-407E-A947-70E740481C1C}">
-                <a14:useLocalDpi xmlns:a14="http://schemas.microsoft.com/office/drawing/2010/main" val="0"/>
+                <a14:useLocalDpi xmlns:a14="http://schemas.microsoft.com/office/drawing/2010/main" xmlns="" val="0"/>
               </a:ext>
             </a:extLst>
           </a:blip>
@@ -4035,10 +4059,10 @@
           <p:cNvPr id="24" name="Straight Connector 23">
             <a:extLst>
               <a:ext uri="{FF2B5EF4-FFF2-40B4-BE49-F238E27FC236}">
-                <a16:creationId xmlns:a16="http://schemas.microsoft.com/office/drawing/2014/main" id="{E7A7CD63-7EC3-44F3-95D0-595C4019FF24}"/>
+                <a16:creationId xmlns:a16="http://schemas.microsoft.com/office/drawing/2014/main" xmlns="" id="{E7A7CD63-7EC3-44F3-95D0-595C4019FF24}"/>
               </a:ext>
               <a:ext uri="{C183D7F6-B498-43B3-948B-1728B52AA6E4}">
-                <adec:decorative xmlns:adec="http://schemas.microsoft.com/office/drawing/2017/decorative" val="1"/>
+                <adec:decorative xmlns:adec="http://schemas.microsoft.com/office/drawing/2017/decorative" xmlns="" val="1"/>
               </a:ext>
             </a:extLst>
           </p:cNvPr>
@@ -4048,7 +4072,7 @@
           <p:nvPr>
             <p:extLst>
               <p:ext uri="{386F3935-93C4-4BCD-93E2-E3B085C9AB24}">
-                <p16:designElem xmlns:p16="http://schemas.microsoft.com/office/powerpoint/2015/main" val="1"/>
+                <p16:designElem xmlns:p16="http://schemas.microsoft.com/office/powerpoint/2015/main" xmlns="" val="1"/>
               </p:ext>
             </p:extLst>
           </p:nvPr>
@@ -4088,7 +4112,7 @@
     </p:spTree>
     <p:extLst>
       <p:ext uri="{BB962C8B-B14F-4D97-AF65-F5344CB8AC3E}">
-        <p14:creationId xmlns:p14="http://schemas.microsoft.com/office/powerpoint/2010/main" val="4043737824"/>
+        <p14:creationId xmlns:p14="http://schemas.microsoft.com/office/powerpoint/2010/main" xmlns="" val="4043737824"/>
       </p:ext>
     </p:extLst>
   </p:cSld>
@@ -4128,10 +4152,10 @@
           <p:cNvPr id="47" name="Rectangle 46">
             <a:extLst>
               <a:ext uri="{FF2B5EF4-FFF2-40B4-BE49-F238E27FC236}">
-                <a16:creationId xmlns:a16="http://schemas.microsoft.com/office/drawing/2014/main" id="{FBDCECDC-EEE3-4128-AA5E-82A8C08796E8}"/>
+                <a16:creationId xmlns:a16="http://schemas.microsoft.com/office/drawing/2014/main" xmlns="" id="{FBDCECDC-EEE3-4128-AA5E-82A8C08796E8}"/>
               </a:ext>
               <a:ext uri="{C183D7F6-B498-43B3-948B-1728B52AA6E4}">
-                <adec:decorative xmlns:adec="http://schemas.microsoft.com/office/drawing/2017/decorative" val="1"/>
+                <adec:decorative xmlns:adec="http://schemas.microsoft.com/office/drawing/2017/decorative" xmlns="" val="1"/>
               </a:ext>
             </a:extLst>
           </p:cNvPr>
@@ -4141,7 +4165,7 @@
           <p:nvPr>
             <p:extLst>
               <p:ext uri="{386F3935-93C4-4BCD-93E2-E3B085C9AB24}">
-                <p16:designElem xmlns:p16="http://schemas.microsoft.com/office/powerpoint/2015/main" val="1"/>
+                <p16:designElem xmlns:p16="http://schemas.microsoft.com/office/powerpoint/2015/main" xmlns="" val="1"/>
               </p:ext>
             </p:extLst>
           </p:nvPr>
@@ -4191,7 +4215,7 @@
           <p:cNvPr id="2" name="Title 1">
             <a:extLst>
               <a:ext uri="{FF2B5EF4-FFF2-40B4-BE49-F238E27FC236}">
-                <a16:creationId xmlns:a16="http://schemas.microsoft.com/office/drawing/2014/main" id="{9AB2EA78-AEB3-469B-9025-3B17201A457B}"/>
+                <a16:creationId xmlns:a16="http://schemas.microsoft.com/office/drawing/2014/main" xmlns="" id="{9AB2EA78-AEB3-469B-9025-3B17201A457B}"/>
               </a:ext>
             </a:extLst>
           </p:cNvPr>
@@ -4230,6 +4254,14 @@
                 </a:solidFill>
               </a:rPr>
             </a:br>
+            <a:r>
+              <a:rPr lang="en-GB" sz="2400" i="1" dirty="0">
+                <a:solidFill>
+                  <a:srgbClr val="FFFFFF"/>
+                </a:solidFill>
+              </a:rPr>
+              <a:t/>
+            </a:r>
             <a:br>
               <a:rPr lang="en-GB" sz="2400" i="1" dirty="0">
                 <a:solidFill>
@@ -4258,10 +4290,10 @@
           <p:cNvPr id="49" name="Rectangle 48">
             <a:extLst>
               <a:ext uri="{FF2B5EF4-FFF2-40B4-BE49-F238E27FC236}">
-                <a16:creationId xmlns:a16="http://schemas.microsoft.com/office/drawing/2014/main" id="{4260EDE0-989C-4E16-AF94-F652294D828E}"/>
+                <a16:creationId xmlns:a16="http://schemas.microsoft.com/office/drawing/2014/main" xmlns="" id="{4260EDE0-989C-4E16-AF94-F652294D828E}"/>
               </a:ext>
               <a:ext uri="{C183D7F6-B498-43B3-948B-1728B52AA6E4}">
-                <adec:decorative xmlns:adec="http://schemas.microsoft.com/office/drawing/2017/decorative" val="1"/>
+                <adec:decorative xmlns:adec="http://schemas.microsoft.com/office/drawing/2017/decorative" xmlns="" val="1"/>
               </a:ext>
             </a:extLst>
           </p:cNvPr>
@@ -4271,7 +4303,7 @@
           <p:nvPr>
             <p:extLst>
               <p:ext uri="{386F3935-93C4-4BCD-93E2-E3B085C9AB24}">
-                <p16:designElem xmlns:p16="http://schemas.microsoft.com/office/powerpoint/2015/main" val="1"/>
+                <p16:designElem xmlns:p16="http://schemas.microsoft.com/office/powerpoint/2015/main" xmlns="" val="1"/>
               </p:ext>
             </p:extLst>
           </p:nvPr>
@@ -4313,7 +4345,7 @@
           <p:cNvPr id="3" name="Subtitle 2">
             <a:extLst>
               <a:ext uri="{FF2B5EF4-FFF2-40B4-BE49-F238E27FC236}">
-                <a16:creationId xmlns:a16="http://schemas.microsoft.com/office/drawing/2014/main" id="{255E1F2F-E259-4EA8-9FFD-3A10AF541859}"/>
+                <a16:creationId xmlns:a16="http://schemas.microsoft.com/office/drawing/2014/main" xmlns="" id="{255E1F2F-E259-4EA8-9FFD-3A10AF541859}"/>
               </a:ext>
             </a:extLst>
           </p:cNvPr>
@@ -4350,7 +4382,7 @@
     </p:spTree>
     <p:extLst>
       <p:ext uri="{BB962C8B-B14F-4D97-AF65-F5344CB8AC3E}">
-        <p14:creationId xmlns:p14="http://schemas.microsoft.com/office/powerpoint/2010/main" val="191714609"/>
+        <p14:creationId xmlns:p14="http://schemas.microsoft.com/office/powerpoint/2010/main" xmlns="" val="191714609"/>
       </p:ext>
     </p:extLst>
   </p:cSld>
@@ -4382,7 +4414,7 @@
           <p:cNvPr id="2" name="Title 1">
             <a:extLst>
               <a:ext uri="{FF2B5EF4-FFF2-40B4-BE49-F238E27FC236}">
-                <a16:creationId xmlns:a16="http://schemas.microsoft.com/office/drawing/2014/main" id="{B791C034-F0CC-4F95-9AA7-EF71273C88B3}"/>
+                <a16:creationId xmlns:a16="http://schemas.microsoft.com/office/drawing/2014/main" xmlns="" id="{B791C034-F0CC-4F95-9AA7-EF71273C88B3}"/>
               </a:ext>
             </a:extLst>
           </p:cNvPr>
@@ -4410,7 +4442,7 @@
           <p:cNvPr id="3" name="Content Placeholder 2">
             <a:extLst>
               <a:ext uri="{FF2B5EF4-FFF2-40B4-BE49-F238E27FC236}">
-                <a16:creationId xmlns:a16="http://schemas.microsoft.com/office/drawing/2014/main" id="{CA3F76BB-0B11-4101-B156-4396656696D8}"/>
+                <a16:creationId xmlns:a16="http://schemas.microsoft.com/office/drawing/2014/main" xmlns="" id="{CA3F76BB-0B11-4101-B156-4396656696D8}"/>
               </a:ext>
             </a:extLst>
           </p:cNvPr>
@@ -4462,7 +4494,7 @@
           <p:cNvPr id="1026" name="Picture 2">
             <a:extLst>
               <a:ext uri="{FF2B5EF4-FFF2-40B4-BE49-F238E27FC236}">
-                <a16:creationId xmlns:a16="http://schemas.microsoft.com/office/drawing/2014/main" id="{E1D1E1C6-39E5-4ABE-83F5-7E96BF6A0F2F}"/>
+                <a16:creationId xmlns:a16="http://schemas.microsoft.com/office/drawing/2014/main" xmlns="" id="{E1D1E1C6-39E5-4ABE-83F5-7E96BF6A0F2F}"/>
               </a:ext>
             </a:extLst>
           </p:cNvPr>
@@ -4472,10 +4504,10 @@
           <p:nvPr/>
         </p:nvPicPr>
         <p:blipFill>
-          <a:blip r:embed="rId2">
+          <a:blip r:embed="rId2" cstate="print">
             <a:extLst>
               <a:ext uri="{28A0092B-C50C-407E-A947-70E740481C1C}">
-                <a14:useLocalDpi xmlns:a14="http://schemas.microsoft.com/office/drawing/2010/main" val="0"/>
+                <a14:useLocalDpi xmlns:a14="http://schemas.microsoft.com/office/drawing/2010/main" xmlns="" val="0"/>
               </a:ext>
             </a:extLst>
           </a:blip>
@@ -4495,7 +4527,7 @@
           <a:noFill/>
           <a:extLst>
             <a:ext uri="{909E8E84-426E-40DD-AFC4-6F175D3DCCD1}">
-              <a14:hiddenFill xmlns:a14="http://schemas.microsoft.com/office/drawing/2010/main">
+              <a14:hiddenFill xmlns:a14="http://schemas.microsoft.com/office/drawing/2010/main" xmlns="">
                 <a:solidFill>
                   <a:srgbClr val="FFFFFF"/>
                 </a:solidFill>
@@ -4507,7 +4539,7 @@
     </p:spTree>
     <p:extLst>
       <p:ext uri="{BB962C8B-B14F-4D97-AF65-F5344CB8AC3E}">
-        <p14:creationId xmlns:p14="http://schemas.microsoft.com/office/powerpoint/2010/main" val="3595064567"/>
+        <p14:creationId xmlns:p14="http://schemas.microsoft.com/office/powerpoint/2010/main" xmlns="" val="3595064567"/>
       </p:ext>
     </p:extLst>
   </p:cSld>
@@ -4539,7 +4571,7 @@
           <p:cNvPr id="2" name="Title 1">
             <a:extLst>
               <a:ext uri="{FF2B5EF4-FFF2-40B4-BE49-F238E27FC236}">
-                <a16:creationId xmlns:a16="http://schemas.microsoft.com/office/drawing/2014/main" id="{6EAC273C-9969-455C-9A84-F29BA9F7FCD6}"/>
+                <a16:creationId xmlns:a16="http://schemas.microsoft.com/office/drawing/2014/main" xmlns="" id="{6EAC273C-9969-455C-9A84-F29BA9F7FCD6}"/>
               </a:ext>
             </a:extLst>
           </p:cNvPr>
@@ -4567,7 +4599,7 @@
           <p:cNvPr id="3" name="Content Placeholder 2">
             <a:extLst>
               <a:ext uri="{FF2B5EF4-FFF2-40B4-BE49-F238E27FC236}">
-                <a16:creationId xmlns:a16="http://schemas.microsoft.com/office/drawing/2014/main" id="{7E0AA153-32AF-40A6-8B10-C13A959C7DDC}"/>
+                <a16:creationId xmlns:a16="http://schemas.microsoft.com/office/drawing/2014/main" xmlns="" id="{7E0AA153-32AF-40A6-8B10-C13A959C7DDC}"/>
               </a:ext>
             </a:extLst>
           </p:cNvPr>
@@ -4606,7 +4638,7 @@
           <p:cNvPr id="1026" name="Picture 2">
             <a:extLst>
               <a:ext uri="{FF2B5EF4-FFF2-40B4-BE49-F238E27FC236}">
-                <a16:creationId xmlns:a16="http://schemas.microsoft.com/office/drawing/2014/main" id="{13196C38-8E27-47AB-85F9-30A7246D533F}"/>
+                <a16:creationId xmlns:a16="http://schemas.microsoft.com/office/drawing/2014/main" xmlns="" id="{13196C38-8E27-47AB-85F9-30A7246D533F}"/>
               </a:ext>
             </a:extLst>
           </p:cNvPr>
@@ -4616,10 +4648,10 @@
           <p:nvPr/>
         </p:nvPicPr>
         <p:blipFill>
-          <a:blip r:embed="rId2">
+          <a:blip r:embed="rId2" cstate="print">
             <a:extLst>
               <a:ext uri="{28A0092B-C50C-407E-A947-70E740481C1C}">
-                <a14:useLocalDpi xmlns:a14="http://schemas.microsoft.com/office/drawing/2010/main" val="0"/>
+                <a14:useLocalDpi xmlns:a14="http://schemas.microsoft.com/office/drawing/2010/main" xmlns="" val="0"/>
               </a:ext>
             </a:extLst>
           </a:blip>
@@ -4639,7 +4671,7 @@
           <a:noFill/>
           <a:extLst>
             <a:ext uri="{909E8E84-426E-40DD-AFC4-6F175D3DCCD1}">
-              <a14:hiddenFill xmlns:a14="http://schemas.microsoft.com/office/drawing/2010/main">
+              <a14:hiddenFill xmlns:a14="http://schemas.microsoft.com/office/drawing/2010/main" xmlns="">
                 <a:solidFill>
                   <a:srgbClr val="FFFFFF"/>
                 </a:solidFill>
@@ -4653,7 +4685,7 @@
           <p:cNvPr id="1028" name="Picture 4">
             <a:extLst>
               <a:ext uri="{FF2B5EF4-FFF2-40B4-BE49-F238E27FC236}">
-                <a16:creationId xmlns:a16="http://schemas.microsoft.com/office/drawing/2014/main" id="{4C5AAF28-A58B-4B4D-B905-9916BE0F91FD}"/>
+                <a16:creationId xmlns:a16="http://schemas.microsoft.com/office/drawing/2014/main" xmlns="" id="{4C5AAF28-A58B-4B4D-B905-9916BE0F91FD}"/>
               </a:ext>
             </a:extLst>
           </p:cNvPr>
@@ -4663,10 +4695,10 @@
           <p:nvPr/>
         </p:nvPicPr>
         <p:blipFill>
-          <a:blip r:embed="rId3">
+          <a:blip r:embed="rId3" cstate="print">
             <a:extLst>
               <a:ext uri="{28A0092B-C50C-407E-A947-70E740481C1C}">
-                <a14:useLocalDpi xmlns:a14="http://schemas.microsoft.com/office/drawing/2010/main" val="0"/>
+                <a14:useLocalDpi xmlns:a14="http://schemas.microsoft.com/office/drawing/2010/main" xmlns="" val="0"/>
               </a:ext>
             </a:extLst>
           </a:blip>
@@ -4686,7 +4718,7 @@
           <a:noFill/>
           <a:extLst>
             <a:ext uri="{909E8E84-426E-40DD-AFC4-6F175D3DCCD1}">
-              <a14:hiddenFill xmlns:a14="http://schemas.microsoft.com/office/drawing/2010/main">
+              <a14:hiddenFill xmlns:a14="http://schemas.microsoft.com/office/drawing/2010/main" xmlns="">
                 <a:solidFill>
                   <a:srgbClr val="FFFFFF"/>
                 </a:solidFill>
@@ -4700,7 +4732,7 @@
           <p:cNvPr id="1030" name="Picture 6">
             <a:extLst>
               <a:ext uri="{FF2B5EF4-FFF2-40B4-BE49-F238E27FC236}">
-                <a16:creationId xmlns:a16="http://schemas.microsoft.com/office/drawing/2014/main" id="{C37C2BF2-9C8B-44DB-BAD3-A6E50561A4D0}"/>
+                <a16:creationId xmlns:a16="http://schemas.microsoft.com/office/drawing/2014/main" xmlns="" id="{C37C2BF2-9C8B-44DB-BAD3-A6E50561A4D0}"/>
               </a:ext>
             </a:extLst>
           </p:cNvPr>
@@ -4710,10 +4742,10 @@
           <p:nvPr/>
         </p:nvPicPr>
         <p:blipFill>
-          <a:blip r:embed="rId4">
+          <a:blip r:embed="rId4" cstate="print">
             <a:extLst>
               <a:ext uri="{28A0092B-C50C-407E-A947-70E740481C1C}">
-                <a14:useLocalDpi xmlns:a14="http://schemas.microsoft.com/office/drawing/2010/main" val="0"/>
+                <a14:useLocalDpi xmlns:a14="http://schemas.microsoft.com/office/drawing/2010/main" xmlns="" val="0"/>
               </a:ext>
             </a:extLst>
           </a:blip>
@@ -4733,7 +4765,7 @@
           <a:noFill/>
           <a:extLst>
             <a:ext uri="{909E8E84-426E-40DD-AFC4-6F175D3DCCD1}">
-              <a14:hiddenFill xmlns:a14="http://schemas.microsoft.com/office/drawing/2010/main">
+              <a14:hiddenFill xmlns:a14="http://schemas.microsoft.com/office/drawing/2010/main" xmlns="">
                 <a:solidFill>
                   <a:srgbClr val="FFFFFF"/>
                 </a:solidFill>
@@ -4745,9 +4777,151 @@
     </p:spTree>
     <p:extLst>
       <p:ext uri="{BB962C8B-B14F-4D97-AF65-F5344CB8AC3E}">
-        <p14:creationId xmlns:p14="http://schemas.microsoft.com/office/powerpoint/2010/main" val="533068716"/>
+        <p14:creationId xmlns:p14="http://schemas.microsoft.com/office/powerpoint/2010/main" xmlns="" val="533068716"/>
       </p:ext>
     </p:extLst>
+  </p:cSld>
+  <p:clrMapOvr>
+    <a:masterClrMapping/>
+  </p:clrMapOvr>
+</p:sld>
+</file>
+
+<file path=ppt/slides/slide5.xml><?xml version="1.0" encoding="utf-8"?>
+<p:sld xmlns:a="http://schemas.openxmlformats.org/drawingml/2006/main" xmlns:r="http://schemas.openxmlformats.org/officeDocument/2006/relationships" xmlns:p="http://schemas.openxmlformats.org/presentationml/2006/main">
+  <p:cSld>
+    <p:spTree>
+      <p:nvGrpSpPr>
+        <p:cNvPr id="1" name=""/>
+        <p:cNvGrpSpPr/>
+        <p:nvPr/>
+      </p:nvGrpSpPr>
+      <p:grpSpPr>
+        <a:xfrm>
+          <a:off x="0" y="0"/>
+          <a:ext cx="0" cy="0"/>
+          <a:chOff x="0" y="0"/>
+          <a:chExt cx="0" cy="0"/>
+        </a:xfrm>
+      </p:grpSpPr>
+      <p:sp>
+        <p:nvSpPr>
+          <p:cNvPr id="2" name="Title 1"/>
+          <p:cNvSpPr>
+            <a:spLocks noGrp="1"/>
+          </p:cNvSpPr>
+          <p:nvPr>
+            <p:ph type="title"/>
+          </p:nvPr>
+        </p:nvSpPr>
+        <p:spPr/>
+        <p:txBody>
+          <a:bodyPr/>
+          <a:lstStyle/>
+          <a:p>
+            <a:r>
+              <a:rPr lang="en-GB" dirty="0" smtClean="0"/>
+              <a:t>Ticket Price Analysis</a:t>
+            </a:r>
+            <a:endParaRPr lang="en-GB" dirty="0"/>
+          </a:p>
+        </p:txBody>
+      </p:sp>
+      <p:sp>
+        <p:nvSpPr>
+          <p:cNvPr id="3" name="Content Placeholder 2"/>
+          <p:cNvSpPr>
+            <a:spLocks noGrp="1"/>
+          </p:cNvSpPr>
+          <p:nvPr>
+            <p:ph sz="half" idx="2"/>
+          </p:nvPr>
+        </p:nvSpPr>
+        <p:spPr>
+          <a:xfrm>
+            <a:off x="1097279" y="2020632"/>
+            <a:ext cx="4907067" cy="3848463"/>
+          </a:xfrm>
+        </p:spPr>
+        <p:txBody>
+          <a:bodyPr numCol="1">
+            <a:normAutofit/>
+          </a:bodyPr>
+          <a:lstStyle/>
+          <a:p>
+            <a:r>
+              <a:rPr lang="en-GB" dirty="0" smtClean="0"/>
+              <a:t>The ticket price data of domestic flights has been analysed</a:t>
+            </a:r>
+          </a:p>
+          <a:p>
+            <a:r>
+              <a:rPr lang="en-GB" dirty="0" smtClean="0"/>
+              <a:t>The aim is to investigate a possible relationship between prices and CO2 emissions of flights</a:t>
+            </a:r>
+          </a:p>
+          <a:p>
+            <a:r>
+              <a:rPr lang="en-GB" dirty="0" smtClean="0"/>
+              <a:t>Weak negative correlation (-0.65) was found between </a:t>
+            </a:r>
+            <a:r>
+              <a:rPr lang="en-GB" i="1" dirty="0" smtClean="0"/>
+              <a:t>Average price per mile </a:t>
+            </a:r>
+            <a:r>
+              <a:rPr lang="en-GB" dirty="0" smtClean="0"/>
+              <a:t>and </a:t>
+            </a:r>
+            <a:r>
+              <a:rPr lang="en-GB" i="1" dirty="0" smtClean="0"/>
+              <a:t>CO2 emission thousand kg per mile</a:t>
+            </a:r>
+          </a:p>
+          <a:p>
+            <a:pPr algn="just"/>
+            <a:r>
+              <a:rPr lang="en-GB" dirty="0" smtClean="0"/>
+              <a:t>The result is possibly due to different business strategies of different airlines, rather than within individual companies</a:t>
+            </a:r>
+          </a:p>
+          <a:p>
+            <a:endParaRPr lang="en-GB" dirty="0" smtClean="0"/>
+          </a:p>
+          <a:p>
+            <a:endParaRPr lang="en-GB" dirty="0"/>
+          </a:p>
+        </p:txBody>
+      </p:sp>
+      <p:pic>
+        <p:nvPicPr>
+          <p:cNvPr id="1028" name="Picture 4" descr="D:\Pictures\prices.png"/>
+          <p:cNvPicPr>
+            <a:picLocks noGrp="1" noChangeAspect="1" noChangeArrowheads="1"/>
+          </p:cNvPicPr>
+          <p:nvPr>
+            <p:ph sz="quarter" idx="4"/>
+          </p:nvPr>
+        </p:nvPicPr>
+        <p:blipFill>
+          <a:blip r:embed="rId2"/>
+          <a:srcRect/>
+          <a:stretch>
+            <a:fillRect/>
+          </a:stretch>
+        </p:blipFill>
+        <p:spPr bwMode="auto">
+          <a:xfrm>
+            <a:off x="6049108" y="1937505"/>
+            <a:ext cx="4932369" cy="3931483"/>
+          </a:xfrm>
+          <a:prstGeom prst="rect">
+            <a:avLst/>
+          </a:prstGeom>
+          <a:noFill/>
+        </p:spPr>
+      </p:pic>
+    </p:spTree>
   </p:cSld>
   <p:clrMapOvr>
     <a:masterClrMapping/>
@@ -4798,7 +4972,7 @@
     </a:clrScheme>
     <a:fontScheme name="Retrospect">
       <a:majorFont>
-        <a:latin typeface="Bookman Old Style" panose="020F0302020204030204"/>
+        <a:latin typeface="Bookman Old Style"/>
         <a:ea typeface=""/>
         <a:cs typeface=""/>
         <a:font script="Jpan" typeface="ＭＳ Ｐゴシック"/>
@@ -4833,7 +5007,7 @@
         <a:font script="Geor" typeface="Sylfaen"/>
       </a:majorFont>
       <a:minorFont>
-        <a:latin typeface="Franklin Gothic Book" panose="020F0502020204030204"/>
+        <a:latin typeface="Franklin Gothic Book"/>
         <a:ea typeface=""/>
         <a:cs typeface=""/>
         <a:font script="Jpan" typeface="ＭＳ Ｐゴシック"/>
@@ -5032,7 +5206,7 @@
   <a:extraClrSchemeLst/>
   <a:extLst>
     <a:ext uri="{05A4C25C-085E-4340-85A3-A5531E510DB2}">
-      <thm15:themeFamily xmlns:thm15="http://schemas.microsoft.com/office/thememl/2012/main" name="TWO.pptx" id="{769520F8-BFE5-4C8C-A7AA-375C025A91CE}" vid="{AEAFD717-D3C8-4034-8F7E-D5220B0CCEB8}"/>
+      <thm15:themeFamily xmlns:thm15="http://schemas.microsoft.com/office/thememl/2012/main" xmlns="" name="TWO.pptx" id="{769520F8-BFE5-4C8C-A7AA-375C025A91CE}" vid="{AEAFD717-D3C8-4034-8F7E-D5220B0CCEB8}"/>
     </a:ext>
   </a:extLst>
 </a:theme>
